--- a/Later/Lambda/18/Java Lambda Comparator example.pptx
+++ b/Later/Lambda/18/Java Lambda Comparator example.pptx
@@ -3910,7 +3910,7 @@
       </p:pic>
       <p:pic>
         <p:nvPicPr>
-          <p:cNvPr id="1031" name="Picture 7"/>
+          <p:cNvPr id="1026" name="Picture 2"/>
           <p:cNvPicPr>
             <a:picLocks noChangeAspect="1" noChangeArrowheads="1"/>
           </p:cNvPicPr>
@@ -3931,8 +3931,8 @@
         </p:blipFill>
         <p:spPr bwMode="auto">
           <a:xfrm>
-            <a:off x="4819650" y="1667045"/>
-            <a:ext cx="4204543" cy="495300"/>
+            <a:off x="4800600" y="1539563"/>
+            <a:ext cx="4324351" cy="495300"/>
           </a:xfrm>
           <a:prstGeom prst="rect">
             <a:avLst/>
